--- a/25-Tabla.pptx
+++ b/25-Tabla.pptx
@@ -104,6 +104,11 @@
       </a:defRPr>
     </a:lvl9pPr>
   </p:defaultTextStyle>
+  <p:extLst>
+    <p:ext uri="{EFAFB233-063F-42B5-8137-9DF3F51BA10A}">
+      <p15:sldGuideLst xmlns:p15="http://schemas.microsoft.com/office/powerpoint/2012/main"/>
+    </p:ext>
+  </p:extLst>
 </p:presentation>
 </file>
 
@@ -2973,14 +2978,14 @@
           <p:nvPr>
             <p:extLst>
               <p:ext uri="{D42A27DB-BD31-4B8C-83A1-F6EECF244321}">
-                <p14:modId xmlns:p14="http://schemas.microsoft.com/office/powerpoint/2010/main" val="2547430202"/>
+                <p14:modId xmlns:p14="http://schemas.microsoft.com/office/powerpoint/2010/main" val="616287727"/>
               </p:ext>
             </p:extLst>
           </p:nvPr>
         </p:nvGraphicFramePr>
         <p:xfrm>
-          <a:off x="3000778" y="233256"/>
-          <a:ext cx="6362164" cy="5943600"/>
+          <a:off x="1596980" y="233256"/>
+          <a:ext cx="8255357" cy="5486400"/>
         </p:xfrm>
         <a:graphic>
           <a:graphicData uri="http://schemas.openxmlformats.org/drawingml/2006/table">
@@ -2989,14 +2994,14 @@
                 <a:tableStyleId>{5C22544A-7EE6-4342-B048-85BDC9FD1C3A}</a:tableStyleId>
               </a:tblPr>
               <a:tblGrid>
-                <a:gridCol w="1622143">
+                <a:gridCol w="2060620">
                   <a:extLst>
                     <a:ext uri="{9D8B030D-6E8A-4147-A177-3AD203B41FA5}">
                       <a16:colId xmlns:a16="http://schemas.microsoft.com/office/drawing/2014/main" val="729996611"/>
                     </a:ext>
                   </a:extLst>
                 </a:gridCol>
-                <a:gridCol w="4740021">
+                <a:gridCol w="6194737">
                   <a:extLst>
                     <a:ext uri="{9D8B030D-6E8A-4147-A177-3AD203B41FA5}">
                       <a16:colId xmlns:a16="http://schemas.microsoft.com/office/drawing/2014/main" val="849769875"/>
